--- a/Soft Skill/Module – 2.pptx
+++ b/Soft Skill/Module – 2.pptx
@@ -245,7 +245,7 @@
           <a:p>
             <a:fld id="{88B169A3-9816-4318-9739-205C0C651632}" type="datetimeFigureOut">
               <a:rPr lang="en-IN" smtClean="0"/>
-              <a:t>09-06-2024</a:t>
+              <a:t>11-06-2024</a:t>
             </a:fld>
             <a:endParaRPr lang="en-IN"/>
           </a:p>
@@ -415,7 +415,7 @@
           <a:p>
             <a:fld id="{88B169A3-9816-4318-9739-205C0C651632}" type="datetimeFigureOut">
               <a:rPr lang="en-IN" smtClean="0"/>
-              <a:t>09-06-2024</a:t>
+              <a:t>11-06-2024</a:t>
             </a:fld>
             <a:endParaRPr lang="en-IN"/>
           </a:p>
@@ -595,7 +595,7 @@
           <a:p>
             <a:fld id="{88B169A3-9816-4318-9739-205C0C651632}" type="datetimeFigureOut">
               <a:rPr lang="en-IN" smtClean="0"/>
-              <a:t>09-06-2024</a:t>
+              <a:t>11-06-2024</a:t>
             </a:fld>
             <a:endParaRPr lang="en-IN"/>
           </a:p>
@@ -765,7 +765,7 @@
           <a:p>
             <a:fld id="{88B169A3-9816-4318-9739-205C0C651632}" type="datetimeFigureOut">
               <a:rPr lang="en-IN" smtClean="0"/>
-              <a:t>09-06-2024</a:t>
+              <a:t>11-06-2024</a:t>
             </a:fld>
             <a:endParaRPr lang="en-IN"/>
           </a:p>
@@ -1011,7 +1011,7 @@
           <a:p>
             <a:fld id="{88B169A3-9816-4318-9739-205C0C651632}" type="datetimeFigureOut">
               <a:rPr lang="en-IN" smtClean="0"/>
-              <a:t>09-06-2024</a:t>
+              <a:t>11-06-2024</a:t>
             </a:fld>
             <a:endParaRPr lang="en-IN"/>
           </a:p>
@@ -1243,7 +1243,7 @@
           <a:p>
             <a:fld id="{88B169A3-9816-4318-9739-205C0C651632}" type="datetimeFigureOut">
               <a:rPr lang="en-IN" smtClean="0"/>
-              <a:t>09-06-2024</a:t>
+              <a:t>11-06-2024</a:t>
             </a:fld>
             <a:endParaRPr lang="en-IN"/>
           </a:p>
@@ -1610,7 +1610,7 @@
           <a:p>
             <a:fld id="{88B169A3-9816-4318-9739-205C0C651632}" type="datetimeFigureOut">
               <a:rPr lang="en-IN" smtClean="0"/>
-              <a:t>09-06-2024</a:t>
+              <a:t>11-06-2024</a:t>
             </a:fld>
             <a:endParaRPr lang="en-IN"/>
           </a:p>
@@ -1728,7 +1728,7 @@
           <a:p>
             <a:fld id="{88B169A3-9816-4318-9739-205C0C651632}" type="datetimeFigureOut">
               <a:rPr lang="en-IN" smtClean="0"/>
-              <a:t>09-06-2024</a:t>
+              <a:t>11-06-2024</a:t>
             </a:fld>
             <a:endParaRPr lang="en-IN"/>
           </a:p>
@@ -1823,7 +1823,7 @@
           <a:p>
             <a:fld id="{88B169A3-9816-4318-9739-205C0C651632}" type="datetimeFigureOut">
               <a:rPr lang="en-IN" smtClean="0"/>
-              <a:t>09-06-2024</a:t>
+              <a:t>11-06-2024</a:t>
             </a:fld>
             <a:endParaRPr lang="en-IN"/>
           </a:p>
@@ -2100,7 +2100,7 @@
           <a:p>
             <a:fld id="{88B169A3-9816-4318-9739-205C0C651632}" type="datetimeFigureOut">
               <a:rPr lang="en-IN" smtClean="0"/>
-              <a:t>09-06-2024</a:t>
+              <a:t>11-06-2024</a:t>
             </a:fld>
             <a:endParaRPr lang="en-IN"/>
           </a:p>
@@ -2357,7 +2357,7 @@
           <a:p>
             <a:fld id="{88B169A3-9816-4318-9739-205C0C651632}" type="datetimeFigureOut">
               <a:rPr lang="en-IN" smtClean="0"/>
-              <a:t>09-06-2024</a:t>
+              <a:t>11-06-2024</a:t>
             </a:fld>
             <a:endParaRPr lang="en-IN"/>
           </a:p>
@@ -2583,7 +2583,7 @@
           <a:p>
             <a:fld id="{88B169A3-9816-4318-9739-205C0C651632}" type="datetimeFigureOut">
               <a:rPr lang="en-IN" smtClean="0"/>
-              <a:t>09-06-2024</a:t>
+              <a:t>11-06-2024</a:t>
             </a:fld>
             <a:endParaRPr lang="en-IN"/>
           </a:p>
@@ -3363,12 +3363,13 @@
             </a:r>
             <a:r>
               <a:rPr lang="en-US" sz="2400" dirty="0"/>
-              <a:t>I'll not doing any further courses for short time period</a:t>
+              <a:t>I'll not doing any further courses for short </a:t>
             </a:r>
             <a:r>
               <a:rPr lang="en-US" sz="2400" dirty="0" smtClean="0"/>
-              <a:t>.</a:t>
-            </a:r>
+              <a:t>period of time.</a:t>
+            </a:r>
+            <a:endParaRPr lang="en-US" sz="2400" dirty="0" smtClean="0"/>
           </a:p>
           <a:p>
             <a:endParaRPr lang="en-US" dirty="0" smtClean="0"/>

--- a/Soft Skill/Module – 2.pptx
+++ b/Soft Skill/Module – 2.pptx
@@ -245,7 +245,7 @@
           <a:p>
             <a:fld id="{88B169A3-9816-4318-9739-205C0C651632}" type="datetimeFigureOut">
               <a:rPr lang="en-IN" smtClean="0"/>
-              <a:t>11-06-2024</a:t>
+              <a:t>12-06-2024</a:t>
             </a:fld>
             <a:endParaRPr lang="en-IN"/>
           </a:p>
@@ -415,7 +415,7 @@
           <a:p>
             <a:fld id="{88B169A3-9816-4318-9739-205C0C651632}" type="datetimeFigureOut">
               <a:rPr lang="en-IN" smtClean="0"/>
-              <a:t>11-06-2024</a:t>
+              <a:t>12-06-2024</a:t>
             </a:fld>
             <a:endParaRPr lang="en-IN"/>
           </a:p>
@@ -595,7 +595,7 @@
           <a:p>
             <a:fld id="{88B169A3-9816-4318-9739-205C0C651632}" type="datetimeFigureOut">
               <a:rPr lang="en-IN" smtClean="0"/>
-              <a:t>11-06-2024</a:t>
+              <a:t>12-06-2024</a:t>
             </a:fld>
             <a:endParaRPr lang="en-IN"/>
           </a:p>
@@ -765,7 +765,7 @@
           <a:p>
             <a:fld id="{88B169A3-9816-4318-9739-205C0C651632}" type="datetimeFigureOut">
               <a:rPr lang="en-IN" smtClean="0"/>
-              <a:t>11-06-2024</a:t>
+              <a:t>12-06-2024</a:t>
             </a:fld>
             <a:endParaRPr lang="en-IN"/>
           </a:p>
@@ -1011,7 +1011,7 @@
           <a:p>
             <a:fld id="{88B169A3-9816-4318-9739-205C0C651632}" type="datetimeFigureOut">
               <a:rPr lang="en-IN" smtClean="0"/>
-              <a:t>11-06-2024</a:t>
+              <a:t>12-06-2024</a:t>
             </a:fld>
             <a:endParaRPr lang="en-IN"/>
           </a:p>
@@ -1243,7 +1243,7 @@
           <a:p>
             <a:fld id="{88B169A3-9816-4318-9739-205C0C651632}" type="datetimeFigureOut">
               <a:rPr lang="en-IN" smtClean="0"/>
-              <a:t>11-06-2024</a:t>
+              <a:t>12-06-2024</a:t>
             </a:fld>
             <a:endParaRPr lang="en-IN"/>
           </a:p>
@@ -1610,7 +1610,7 @@
           <a:p>
             <a:fld id="{88B169A3-9816-4318-9739-205C0C651632}" type="datetimeFigureOut">
               <a:rPr lang="en-IN" smtClean="0"/>
-              <a:t>11-06-2024</a:t>
+              <a:t>12-06-2024</a:t>
             </a:fld>
             <a:endParaRPr lang="en-IN"/>
           </a:p>
@@ -1728,7 +1728,7 @@
           <a:p>
             <a:fld id="{88B169A3-9816-4318-9739-205C0C651632}" type="datetimeFigureOut">
               <a:rPr lang="en-IN" smtClean="0"/>
-              <a:t>11-06-2024</a:t>
+              <a:t>12-06-2024</a:t>
             </a:fld>
             <a:endParaRPr lang="en-IN"/>
           </a:p>
@@ -1823,7 +1823,7 @@
           <a:p>
             <a:fld id="{88B169A3-9816-4318-9739-205C0C651632}" type="datetimeFigureOut">
               <a:rPr lang="en-IN" smtClean="0"/>
-              <a:t>11-06-2024</a:t>
+              <a:t>12-06-2024</a:t>
             </a:fld>
             <a:endParaRPr lang="en-IN"/>
           </a:p>
@@ -2100,7 +2100,7 @@
           <a:p>
             <a:fld id="{88B169A3-9816-4318-9739-205C0C651632}" type="datetimeFigureOut">
               <a:rPr lang="en-IN" smtClean="0"/>
-              <a:t>11-06-2024</a:t>
+              <a:t>12-06-2024</a:t>
             </a:fld>
             <a:endParaRPr lang="en-IN"/>
           </a:p>
@@ -2357,7 +2357,7 @@
           <a:p>
             <a:fld id="{88B169A3-9816-4318-9739-205C0C651632}" type="datetimeFigureOut">
               <a:rPr lang="en-IN" smtClean="0"/>
-              <a:t>11-06-2024</a:t>
+              <a:t>12-06-2024</a:t>
             </a:fld>
             <a:endParaRPr lang="en-IN"/>
           </a:p>
@@ -2583,7 +2583,7 @@
           <a:p>
             <a:fld id="{88B169A3-9816-4318-9739-205C0C651632}" type="datetimeFigureOut">
               <a:rPr lang="en-IN" smtClean="0"/>
-              <a:t>11-06-2024</a:t>
+              <a:t>12-06-2024</a:t>
             </a:fld>
             <a:endParaRPr lang="en-IN"/>
           </a:p>
@@ -3288,7 +3288,12 @@
             <p:ph type="title"/>
           </p:nvPr>
         </p:nvSpPr>
-        <p:spPr/>
+        <p:spPr>
+          <a:xfrm>
+            <a:off x="838200" y="308564"/>
+            <a:ext cx="10515600" cy="1325563"/>
+          </a:xfrm>
+        </p:spPr>
         <p:txBody>
           <a:bodyPr>
             <a:normAutofit/>
@@ -3341,7 +3346,7 @@
         </p:spPr>
         <p:txBody>
           <a:bodyPr>
-            <a:normAutofit/>
+            <a:normAutofit fontScale="92500" lnSpcReduction="10000"/>
           </a:bodyPr>
           <a:lstStyle/>
           <a:p>
@@ -3369,7 +3374,6 @@
               <a:rPr lang="en-US" sz="2400" dirty="0" smtClean="0"/>
               <a:t>period of time.</a:t>
             </a:r>
-            <a:endParaRPr lang="en-US" sz="2400" dirty="0" smtClean="0"/>
           </a:p>
           <a:p>
             <a:endParaRPr lang="en-US" dirty="0" smtClean="0"/>
@@ -3432,9 +3436,28 @@
               <a:t>technical language</a:t>
             </a:r>
             <a:r>
-              <a:rPr lang="en-US" sz="2400" dirty="0"/>
+              <a:rPr lang="en-US" sz="2400" dirty="0" smtClean="0"/>
               <a:t>.</a:t>
             </a:r>
+          </a:p>
+          <a:p>
+            <a:endParaRPr lang="en-US" sz="2400" dirty="0" smtClean="0"/>
+          </a:p>
+          <a:p>
+            <a:endParaRPr lang="en-US" sz="2400" dirty="0"/>
+          </a:p>
+          <a:p>
+            <a:r>
+              <a:rPr lang="en-US" sz="2400" dirty="0" smtClean="0"/>
+              <a:t>Video Link : </a:t>
+            </a:r>
+            <a:r>
+              <a:rPr lang="en-US" sz="2400" dirty="0" smtClean="0">
+                <a:hlinkClick r:id="rId2"/>
+              </a:rPr>
+              <a:t>https://youtu.be/MO191UWfHEk</a:t>
+            </a:r>
+            <a:endParaRPr lang="en-US" sz="2400" dirty="0"/>
           </a:p>
         </p:txBody>
       </p:sp>
